--- a/10 - Software Engineering Principles.pptx
+++ b/10 - Software Engineering Principles.pptx
@@ -206,7 +206,7 @@
           <a:p>
             <a:fld id="{08AB9A53-2321-4507-AEDD-D090BCA0A583}" type="datetimeFigureOut">
               <a:rPr lang="en-IN" smtClean="0"/>
-              <a:t>12-08-2023</a:t>
+              <a:t>21-08-2023</a:t>
             </a:fld>
             <a:endParaRPr lang="en-IN"/>
           </a:p>
@@ -1196,7 +1196,7 @@
           <a:p>
             <a:fld id="{2FE2510D-258A-4AE9-A17F-3D891CB35D55}" type="datetime1">
               <a:rPr lang="en-US" smtClean="0"/>
-              <a:t>8/12/2023</a:t>
+              <a:t>8/21/2023</a:t>
             </a:fld>
             <a:endParaRPr lang="en-US" dirty="0"/>
           </a:p>
@@ -1447,7 +1447,7 @@
           <a:p>
             <a:fld id="{6FBC5B64-6E84-4D62-BE0A-83BE4A1D009E}" type="datetime1">
               <a:rPr lang="en-US" smtClean="0"/>
-              <a:t>8/12/2023</a:t>
+              <a:t>8/21/2023</a:t>
             </a:fld>
             <a:endParaRPr lang="en-US" dirty="0"/>
           </a:p>
@@ -1761,7 +1761,7 @@
           <a:p>
             <a:fld id="{2EA6FDB9-AAE1-4BCA-8F04-8E63DC58DED0}" type="datetime1">
               <a:rPr lang="en-US" smtClean="0"/>
-              <a:t>8/12/2023</a:t>
+              <a:t>8/21/2023</a:t>
             </a:fld>
             <a:endParaRPr lang="en-US" dirty="0"/>
           </a:p>
@@ -2102,7 +2102,7 @@
           <a:p>
             <a:fld id="{4734FCD4-1FFD-4F73-B511-FDC426F40F5E}" type="datetime1">
               <a:rPr lang="en-US" smtClean="0"/>
-              <a:t>8/12/2023</a:t>
+              <a:t>8/21/2023</a:t>
             </a:fld>
             <a:endParaRPr lang="en-US" dirty="0"/>
           </a:p>
@@ -2416,7 +2416,7 @@
           <a:p>
             <a:fld id="{1135079B-2B7B-4DCD-9CFE-77AC3EE21275}" type="datetime1">
               <a:rPr lang="en-US" smtClean="0"/>
-              <a:t>8/12/2023</a:t>
+              <a:t>8/21/2023</a:t>
             </a:fld>
             <a:endParaRPr lang="en-US" dirty="0"/>
           </a:p>
@@ -2809,7 +2809,7 @@
           <a:p>
             <a:fld id="{4BD03CA1-4642-46C6-B259-3EE3B2EFC8B2}" type="datetime1">
               <a:rPr lang="en-US" smtClean="0"/>
-              <a:t>8/12/2023</a:t>
+              <a:t>8/21/2023</a:t>
             </a:fld>
             <a:endParaRPr lang="en-US" dirty="0"/>
           </a:p>
@@ -2979,7 +2979,7 @@
           <a:p>
             <a:fld id="{C6313E70-D3C9-4F4B-BC8C-F708D9958E5D}" type="datetime1">
               <a:rPr lang="en-US" smtClean="0"/>
-              <a:t>8/12/2023</a:t>
+              <a:t>8/21/2023</a:t>
             </a:fld>
             <a:endParaRPr lang="en-US" dirty="0"/>
           </a:p>
@@ -3159,7 +3159,7 @@
           <a:p>
             <a:fld id="{03F0C189-C308-452A-ADCE-3F2FAEC80DDD}" type="datetime1">
               <a:rPr lang="en-US" smtClean="0"/>
-              <a:t>8/12/2023</a:t>
+              <a:t>8/21/2023</a:t>
             </a:fld>
             <a:endParaRPr lang="en-US" dirty="0"/>
           </a:p>
@@ -3335,7 +3335,7 @@
           <a:p>
             <a:fld id="{DD3C1E7D-6B35-4161-BF5F-B855E6633F9D}" type="datetime1">
               <a:rPr lang="en-US" smtClean="0"/>
-              <a:t>8/12/2023</a:t>
+              <a:t>8/21/2023</a:t>
             </a:fld>
             <a:endParaRPr lang="en-US" dirty="0"/>
           </a:p>
@@ -3582,7 +3582,7 @@
           <a:p>
             <a:fld id="{235B1B3B-ECF3-44F3-8924-67E2830A19EC}" type="datetime1">
               <a:rPr lang="en-US" smtClean="0"/>
-              <a:t>8/12/2023</a:t>
+              <a:t>8/21/2023</a:t>
             </a:fld>
             <a:endParaRPr lang="en-US" dirty="0"/>
           </a:p>
@@ -3814,7 +3814,7 @@
           <a:p>
             <a:fld id="{51711179-F173-4A73-99D0-FE5DCA4626E5}" type="datetime1">
               <a:rPr lang="en-US" smtClean="0"/>
-              <a:t>8/12/2023</a:t>
+              <a:t>8/21/2023</a:t>
             </a:fld>
             <a:endParaRPr lang="en-US" dirty="0"/>
           </a:p>
@@ -4188,7 +4188,7 @@
           <a:p>
             <a:fld id="{7E128DA8-95ED-470F-8C39-158D62BDFDAC}" type="datetime1">
               <a:rPr lang="en-US" smtClean="0"/>
-              <a:t>8/12/2023</a:t>
+              <a:t>8/21/2023</a:t>
             </a:fld>
             <a:endParaRPr lang="en-US" dirty="0"/>
           </a:p>
@@ -4311,7 +4311,7 @@
           <a:p>
             <a:fld id="{B3DE09CA-7266-4232-A593-0D87CE385B43}" type="datetime1">
               <a:rPr lang="en-US" smtClean="0"/>
-              <a:t>8/12/2023</a:t>
+              <a:t>8/21/2023</a:t>
             </a:fld>
             <a:endParaRPr lang="en-US" dirty="0"/>
           </a:p>
@@ -4406,7 +4406,7 @@
           <a:p>
             <a:fld id="{45E1782C-3599-4860-81A9-656B2B364E57}" type="datetime1">
               <a:rPr lang="en-US" smtClean="0"/>
-              <a:t>8/12/2023</a:t>
+              <a:t>8/21/2023</a:t>
             </a:fld>
             <a:endParaRPr lang="en-US" dirty="0"/>
           </a:p>
@@ -4661,7 +4661,7 @@
           <a:p>
             <a:fld id="{116EC375-B303-4BF8-83DB-65B8D7391020}" type="datetime1">
               <a:rPr lang="en-US" smtClean="0"/>
-              <a:t>8/12/2023</a:t>
+              <a:t>8/21/2023</a:t>
             </a:fld>
             <a:endParaRPr lang="en-US" dirty="0"/>
           </a:p>
@@ -4924,7 +4924,7 @@
           <a:p>
             <a:fld id="{F860CE40-A04A-408F-BB6E-2F9DED8FF9DE}" type="datetime1">
               <a:rPr lang="en-US" smtClean="0"/>
-              <a:t>8/12/2023</a:t>
+              <a:t>8/21/2023</a:t>
             </a:fld>
             <a:endParaRPr lang="en-US" dirty="0"/>
           </a:p>
@@ -5667,7 +5667,7 @@
           <a:p>
             <a:fld id="{6E3D3AD9-A8BA-4D2B-A793-6960F7F1182C}" type="datetime1">
               <a:rPr lang="en-US" smtClean="0"/>
-              <a:t>8/12/2023</a:t>
+              <a:t>8/21/2023</a:t>
             </a:fld>
             <a:endParaRPr lang="en-US" dirty="0"/>
           </a:p>
@@ -10332,45 +10332,20 @@
                 <a:cs typeface="Segoe UI" panose="020B0502040204020203" pitchFamily="34" charset="0"/>
                 <a:hlinkClick r:id="rId2"/>
               </a:rPr>
-              <a:t>GitHub - chittur/parallel-programming-language: A new language for parallel programming, and its compiler and runtime</a:t>
+              <a:t>GitHub - chittur/parallel-programming-language: A new language for parallel programming, and its compiler </a:t>
+            </a:r>
+            <a:r>
+              <a:rPr lang="en-US">
+                <a:latin typeface="Segoe UI" panose="020B0502040204020203" pitchFamily="34" charset="0"/>
+                <a:cs typeface="Segoe UI" panose="020B0502040204020203" pitchFamily="34" charset="0"/>
+                <a:hlinkClick r:id="rId2"/>
+              </a:rPr>
+              <a:t>and runtime</a:t>
             </a:r>
             <a:endParaRPr lang="en-US" dirty="0">
               <a:latin typeface="Segoe UI" panose="020B0502040204020203" pitchFamily="34" charset="0"/>
               <a:cs typeface="Segoe UI" panose="020B0502040204020203" pitchFamily="34" charset="0"/>
             </a:endParaRPr>
-          </a:p>
-          <a:p>
-            <a:pPr lvl="1"/>
-            <a:r>
-              <a:rPr lang="en-US" dirty="0">
-                <a:latin typeface="Segoe UI" panose="020B0502040204020203" pitchFamily="34" charset="0"/>
-                <a:cs typeface="Segoe UI" panose="020B0502040204020203" pitchFamily="34" charset="0"/>
-              </a:rPr>
-              <a:t>From the course Moodle page </a:t>
-            </a:r>
-            <a:r>
-              <a:rPr lang="en-US" dirty="0">
-                <a:latin typeface="Segoe UI" panose="020B0502040204020203" pitchFamily="34" charset="0"/>
-                <a:cs typeface="Segoe UI" panose="020B0502040204020203" pitchFamily="34" charset="0"/>
-                <a:hlinkClick r:id="rId3"/>
-              </a:rPr>
-              <a:t>here</a:t>
-            </a:r>
-            <a:r>
-              <a:rPr lang="en-US" dirty="0">
-                <a:latin typeface="Segoe UI" panose="020B0502040204020203" pitchFamily="34" charset="0"/>
-                <a:cs typeface="Segoe UI" panose="020B0502040204020203" pitchFamily="34" charset="0"/>
-              </a:rPr>
-              <a:t>.</a:t>
-            </a:r>
-            <a:endParaRPr lang="en-IN" dirty="0">
-              <a:latin typeface="Segoe UI" panose="020B0502040204020203" pitchFamily="34" charset="0"/>
-              <a:cs typeface="Segoe UI" panose="020B0502040204020203" pitchFamily="34" charset="0"/>
-            </a:endParaRPr>
-          </a:p>
-          <a:p>
-            <a:pPr lvl="1"/>
-            <a:endParaRPr lang="en-IN" dirty="0"/>
           </a:p>
         </p:txBody>
       </p:sp>
